--- a/Presentations/Task2_Presentation.pptx
+++ b/Presentations/Task2_Presentation.pptx
@@ -13,7 +13,8 @@
     <p:sldId id="260" r:id="rId7"/>
     <p:sldId id="261" r:id="rId8"/>
     <p:sldId id="262" r:id="rId9"/>
-    <p:sldId id="264" r:id="rId10"/>
+    <p:sldId id="265" r:id="rId10"/>
+    <p:sldId id="264" r:id="rId11"/>
   </p:sldIdLst>
   <p:sldSz cx="12192000" cy="6858000"/>
   <p:notesSz cx="6858000" cy="9144000"/>
@@ -269,7 +270,7 @@
           <a:p>
             <a:fld id="{D9F1F6BE-7E61-484E-AA78-37F51C58728A}" type="datetimeFigureOut">
               <a:rPr lang="zh-CN" altLang="en-US" smtClean="0"/>
-              <a:t>2025/9/14</a:t>
+              <a:t>2025/9/16</a:t>
             </a:fld>
             <a:endParaRPr lang="zh-CN" altLang="en-US"/>
           </a:p>
@@ -469,7 +470,7 @@
           <a:p>
             <a:fld id="{D9F1F6BE-7E61-484E-AA78-37F51C58728A}" type="datetimeFigureOut">
               <a:rPr lang="zh-CN" altLang="en-US" smtClean="0"/>
-              <a:t>2025/9/14</a:t>
+              <a:t>2025/9/16</a:t>
             </a:fld>
             <a:endParaRPr lang="zh-CN" altLang="en-US"/>
           </a:p>
@@ -679,7 +680,7 @@
           <a:p>
             <a:fld id="{D9F1F6BE-7E61-484E-AA78-37F51C58728A}" type="datetimeFigureOut">
               <a:rPr lang="zh-CN" altLang="en-US" smtClean="0"/>
-              <a:t>2025/9/14</a:t>
+              <a:t>2025/9/16</a:t>
             </a:fld>
             <a:endParaRPr lang="zh-CN" altLang="en-US"/>
           </a:p>
@@ -879,7 +880,7 @@
           <a:p>
             <a:fld id="{D9F1F6BE-7E61-484E-AA78-37F51C58728A}" type="datetimeFigureOut">
               <a:rPr lang="zh-CN" altLang="en-US" smtClean="0"/>
-              <a:t>2025/9/14</a:t>
+              <a:t>2025/9/16</a:t>
             </a:fld>
             <a:endParaRPr lang="zh-CN" altLang="en-US"/>
           </a:p>
@@ -1155,7 +1156,7 @@
           <a:p>
             <a:fld id="{D9F1F6BE-7E61-484E-AA78-37F51C58728A}" type="datetimeFigureOut">
               <a:rPr lang="zh-CN" altLang="en-US" smtClean="0"/>
-              <a:t>2025/9/14</a:t>
+              <a:t>2025/9/16</a:t>
             </a:fld>
             <a:endParaRPr lang="zh-CN" altLang="en-US"/>
           </a:p>
@@ -1423,7 +1424,7 @@
           <a:p>
             <a:fld id="{D9F1F6BE-7E61-484E-AA78-37F51C58728A}" type="datetimeFigureOut">
               <a:rPr lang="zh-CN" altLang="en-US" smtClean="0"/>
-              <a:t>2025/9/14</a:t>
+              <a:t>2025/9/16</a:t>
             </a:fld>
             <a:endParaRPr lang="zh-CN" altLang="en-US"/>
           </a:p>
@@ -1838,7 +1839,7 @@
           <a:p>
             <a:fld id="{D9F1F6BE-7E61-484E-AA78-37F51C58728A}" type="datetimeFigureOut">
               <a:rPr lang="zh-CN" altLang="en-US" smtClean="0"/>
-              <a:t>2025/9/14</a:t>
+              <a:t>2025/9/16</a:t>
             </a:fld>
             <a:endParaRPr lang="zh-CN" altLang="en-US"/>
           </a:p>
@@ -1980,7 +1981,7 @@
           <a:p>
             <a:fld id="{D9F1F6BE-7E61-484E-AA78-37F51C58728A}" type="datetimeFigureOut">
               <a:rPr lang="zh-CN" altLang="en-US" smtClean="0"/>
-              <a:t>2025/9/14</a:t>
+              <a:t>2025/9/16</a:t>
             </a:fld>
             <a:endParaRPr lang="zh-CN" altLang="en-US"/>
           </a:p>
@@ -2093,7 +2094,7 @@
           <a:p>
             <a:fld id="{D9F1F6BE-7E61-484E-AA78-37F51C58728A}" type="datetimeFigureOut">
               <a:rPr lang="zh-CN" altLang="en-US" smtClean="0"/>
-              <a:t>2025/9/14</a:t>
+              <a:t>2025/9/16</a:t>
             </a:fld>
             <a:endParaRPr lang="zh-CN" altLang="en-US"/>
           </a:p>
@@ -2406,7 +2407,7 @@
           <a:p>
             <a:fld id="{D9F1F6BE-7E61-484E-AA78-37F51C58728A}" type="datetimeFigureOut">
               <a:rPr lang="zh-CN" altLang="en-US" smtClean="0"/>
-              <a:t>2025/9/14</a:t>
+              <a:t>2025/9/16</a:t>
             </a:fld>
             <a:endParaRPr lang="zh-CN" altLang="en-US"/>
           </a:p>
@@ -2695,7 +2696,7 @@
           <a:p>
             <a:fld id="{D9F1F6BE-7E61-484E-AA78-37F51C58728A}" type="datetimeFigureOut">
               <a:rPr lang="zh-CN" altLang="en-US" smtClean="0"/>
-              <a:t>2025/9/14</a:t>
+              <a:t>2025/9/16</a:t>
             </a:fld>
             <a:endParaRPr lang="zh-CN" altLang="en-US"/>
           </a:p>
@@ -2938,7 +2939,7 @@
           <a:p>
             <a:fld id="{D9F1F6BE-7E61-484E-AA78-37F51C58728A}" type="datetimeFigureOut">
               <a:rPr lang="zh-CN" altLang="en-US" smtClean="0"/>
-              <a:t>2025/9/14</a:t>
+              <a:t>2025/9/16</a:t>
             </a:fld>
             <a:endParaRPr lang="zh-CN" altLang="en-US"/>
           </a:p>
@@ -3438,6 +3439,273 @@
 </p:sld>
 </file>
 
+<file path=ppt/slides/slide10.xml><?xml version="1.0" encoding="utf-8"?>
+<p:sld xmlns:a="http://schemas.openxmlformats.org/drawingml/2006/main" xmlns:r="http://schemas.openxmlformats.org/officeDocument/2006/relationships" xmlns:p="http://schemas.openxmlformats.org/presentationml/2006/main">
+  <p:cSld>
+    <p:spTree>
+      <p:nvGrpSpPr>
+        <p:cNvPr id="1" name="">
+          <a:extLst>
+            <a:ext uri="{FF2B5EF4-FFF2-40B4-BE49-F238E27FC236}">
+              <a16:creationId xmlns:a16="http://schemas.microsoft.com/office/drawing/2014/main" id="{CE066CC5-1458-89AE-0EDE-63DF3E84861F}"/>
+            </a:ext>
+          </a:extLst>
+        </p:cNvPr>
+        <p:cNvGrpSpPr/>
+        <p:nvPr/>
+      </p:nvGrpSpPr>
+      <p:grpSpPr>
+        <a:xfrm>
+          <a:off x="0" y="0"/>
+          <a:ext cx="0" cy="0"/>
+          <a:chOff x="0" y="0"/>
+          <a:chExt cx="0" cy="0"/>
+        </a:xfrm>
+      </p:grpSpPr>
+      <p:sp>
+        <p:nvSpPr>
+          <p:cNvPr id="2" name="Title 1">
+            <a:extLst>
+              <a:ext uri="{FF2B5EF4-FFF2-40B4-BE49-F238E27FC236}">
+                <a16:creationId xmlns:a16="http://schemas.microsoft.com/office/drawing/2014/main" id="{D277CE3E-DAFC-9324-2570-2531F6D37DC7}"/>
+              </a:ext>
+            </a:extLst>
+          </p:cNvPr>
+          <p:cNvSpPr>
+            <a:spLocks noGrp="1"/>
+          </p:cNvSpPr>
+          <p:nvPr>
+            <p:ph type="title"/>
+          </p:nvPr>
+        </p:nvSpPr>
+        <p:spPr>
+          <a:xfrm>
+            <a:off x="838200" y="365125"/>
+            <a:ext cx="2874632" cy="1325563"/>
+          </a:xfrm>
+        </p:spPr>
+        <p:txBody>
+          <a:bodyPr/>
+          <a:lstStyle/>
+          <a:p>
+            <a:r>
+              <a:rPr lang="en-US" altLang="zh-CN" dirty="0">
+                <a:latin typeface="Times New Roman" panose="02020603050405020304" pitchFamily="18" charset="0"/>
+                <a:cs typeface="Times New Roman" panose="02020603050405020304" pitchFamily="18" charset="0"/>
+              </a:rPr>
+              <a:t>Conclusion</a:t>
+            </a:r>
+            <a:endParaRPr lang="zh-CN" altLang="en-US" dirty="0">
+              <a:latin typeface="Times New Roman" panose="02020603050405020304" pitchFamily="18" charset="0"/>
+              <a:cs typeface="Times New Roman" panose="02020603050405020304" pitchFamily="18" charset="0"/>
+            </a:endParaRPr>
+          </a:p>
+        </p:txBody>
+      </p:sp>
+      <mc:AlternateContent xmlns:mc="http://schemas.openxmlformats.org/markup-compatibility/2006" xmlns:a14="http://schemas.microsoft.com/office/drawing/2010/main">
+        <mc:Choice Requires="a14">
+          <p:sp>
+            <p:nvSpPr>
+              <p:cNvPr id="4" name="TextBox 3">
+                <a:extLst>
+                  <a:ext uri="{FF2B5EF4-FFF2-40B4-BE49-F238E27FC236}">
+                    <a16:creationId xmlns:a16="http://schemas.microsoft.com/office/drawing/2014/main" id="{E4FA3354-A12E-C0CA-9E9D-1144D68D65E2}"/>
+                  </a:ext>
+                </a:extLst>
+              </p:cNvPr>
+              <p:cNvSpPr txBox="1"/>
+              <p:nvPr/>
+            </p:nvSpPr>
+            <p:spPr>
+              <a:xfrm>
+                <a:off x="2007013" y="1690688"/>
+                <a:ext cx="7272000" cy="3416320"/>
+              </a:xfrm>
+              <a:prstGeom prst="rect">
+                <a:avLst/>
+              </a:prstGeom>
+              <a:noFill/>
+            </p:spPr>
+            <p:txBody>
+              <a:bodyPr wrap="square">
+                <a:spAutoFit/>
+              </a:bodyPr>
+              <a:lstStyle/>
+              <a:p>
+                <a:r>
+                  <a:rPr lang="en-US" altLang="zh-CN" b="1" dirty="0">
+                    <a:latin typeface="Times New Roman" panose="02020603050405020304" pitchFamily="18" charset="0"/>
+                    <a:cs typeface="Times New Roman" panose="02020603050405020304" pitchFamily="18" charset="0"/>
+                  </a:rPr>
+                  <a:t>Original Data Distribution:</a:t>
+                </a:r>
+              </a:p>
+              <a:p>
+                <a:r>
+                  <a:rPr lang="en-US" altLang="zh-CN" dirty="0">
+                    <a:latin typeface="Times New Roman" panose="02020603050405020304" pitchFamily="18" charset="0"/>
+                    <a:cs typeface="Times New Roman" panose="02020603050405020304" pitchFamily="18" charset="0"/>
+                  </a:rPr>
+                  <a:t>Boxplot, Histogram, QQ plot, and Shapiro-Wilk test show that Log(NFL) is normally distributed.</a:t>
+                </a:r>
+              </a:p>
+              <a:p>
+                <a:endParaRPr lang="en-US" altLang="zh-CN" dirty="0">
+                  <a:latin typeface="Times New Roman" panose="02020603050405020304" pitchFamily="18" charset="0"/>
+                  <a:cs typeface="Times New Roman" panose="02020603050405020304" pitchFamily="18" charset="0"/>
+                </a:endParaRPr>
+              </a:p>
+              <a:p>
+                <a:r>
+                  <a:rPr lang="en-US" altLang="zh-CN" b="1" dirty="0">
+                    <a:latin typeface="Times New Roman" panose="02020603050405020304" pitchFamily="18" charset="0"/>
+                    <a:cs typeface="Times New Roman" panose="02020603050405020304" pitchFamily="18" charset="0"/>
+                  </a:rPr>
+                  <a:t>Power Calculation:</a:t>
+                </a:r>
+              </a:p>
+              <a:p>
+                <a:r>
+                  <a:rPr lang="en-US" altLang="zh-CN" dirty="0">
+                    <a:latin typeface="Times New Roman" panose="02020603050405020304" pitchFamily="18" charset="0"/>
+                    <a:cs typeface="Times New Roman" panose="02020603050405020304" pitchFamily="18" charset="0"/>
+                  </a:rPr>
+                  <a:t>A target effect of 30% decrease in NFL, power of 0.8, and </a:t>
+                </a:r>
+                <a14:m>
+                  <m:oMath xmlns:m="http://schemas.openxmlformats.org/officeDocument/2006/math">
+                    <m:r>
+                      <a:rPr lang="zh-CN" altLang="en-US" i="1" smtClean="0">
+                        <a:latin typeface="Cambria Math" panose="02040503050406030204" pitchFamily="18" charset="0"/>
+                        <a:cs typeface="Times New Roman" panose="02020603050405020304" pitchFamily="18" charset="0"/>
+                      </a:rPr>
+                      <m:t>𝛼</m:t>
+                    </m:r>
+                    <m:r>
+                      <a:rPr lang="en-US" altLang="zh-CN" b="0" i="1" smtClean="0">
+                        <a:latin typeface="Cambria Math" panose="02040503050406030204" pitchFamily="18" charset="0"/>
+                        <a:cs typeface="Times New Roman" panose="02020603050405020304" pitchFamily="18" charset="0"/>
+                      </a:rPr>
+                      <m:t> </m:t>
+                    </m:r>
+                    <m:r>
+                      <a:rPr lang="en-US" altLang="zh-CN" b="0" i="1" smtClean="0">
+                        <a:latin typeface="Cambria Math" panose="02040503050406030204" pitchFamily="18" charset="0"/>
+                        <a:cs typeface="Times New Roman" panose="02020603050405020304" pitchFamily="18" charset="0"/>
+                      </a:rPr>
+                      <m:t>𝑜𝑓</m:t>
+                    </m:r>
+                    <m:r>
+                      <a:rPr lang="en-US" altLang="zh-CN" b="0" i="1" smtClean="0">
+                        <a:latin typeface="Cambria Math" panose="02040503050406030204" pitchFamily="18" charset="0"/>
+                        <a:cs typeface="Times New Roman" panose="02020603050405020304" pitchFamily="18" charset="0"/>
+                      </a:rPr>
+                      <m:t> 0.05</m:t>
+                    </m:r>
+                  </m:oMath>
+                </a14:m>
+                <a:r>
+                  <a:rPr lang="en-US" altLang="zh-CN" dirty="0">
+                    <a:latin typeface="Times New Roman" panose="02020603050405020304" pitchFamily="18" charset="0"/>
+                    <a:cs typeface="Times New Roman" panose="02020603050405020304" pitchFamily="18" charset="0"/>
+                  </a:rPr>
+                  <a:t>, result in the sample size should be no less than 37 individuals for every group.</a:t>
+                </a:r>
+              </a:p>
+              <a:p>
+                <a:endParaRPr lang="en-US" altLang="zh-CN" dirty="0">
+                  <a:latin typeface="Times New Roman" panose="02020603050405020304" pitchFamily="18" charset="0"/>
+                  <a:cs typeface="Times New Roman" panose="02020603050405020304" pitchFamily="18" charset="0"/>
+                </a:endParaRPr>
+              </a:p>
+              <a:p>
+                <a:r>
+                  <a:rPr lang="en-US" altLang="zh-CN" b="1" dirty="0">
+                    <a:latin typeface="Times New Roman" panose="02020603050405020304" pitchFamily="18" charset="0"/>
+                    <a:cs typeface="Times New Roman" panose="02020603050405020304" pitchFamily="18" charset="0"/>
+                  </a:rPr>
+                  <a:t>Analysis of Simulated Data:</a:t>
+                </a:r>
+              </a:p>
+              <a:p>
+                <a:r>
+                  <a:rPr lang="en-US" altLang="zh-CN" dirty="0">
+                    <a:latin typeface="Times New Roman" panose="02020603050405020304" pitchFamily="18" charset="0"/>
+                    <a:cs typeface="Times New Roman" panose="02020603050405020304" pitchFamily="18" charset="0"/>
+                  </a:rPr>
+                  <a:t>Log(NFL) is approximately normal in both groups.</a:t>
+                </a:r>
+              </a:p>
+              <a:p>
+                <a:r>
+                  <a:rPr lang="en-US" altLang="zh-CN" dirty="0">
+                    <a:latin typeface="Times New Roman" panose="02020603050405020304" pitchFamily="18" charset="0"/>
+                    <a:cs typeface="Times New Roman" panose="02020603050405020304" pitchFamily="18" charset="0"/>
+                  </a:rPr>
+                  <a:t>The t-test shows that the NFL level significantly decreased after MECAS-123 treatment.</a:t>
+                </a:r>
+              </a:p>
+            </p:txBody>
+          </p:sp>
+        </mc:Choice>
+        <mc:Fallback xmlns="">
+          <p:sp>
+            <p:nvSpPr>
+              <p:cNvPr id="4" name="TextBox 3">
+                <a:extLst>
+                  <a:ext uri="{FF2B5EF4-FFF2-40B4-BE49-F238E27FC236}">
+                    <a16:creationId xmlns:a16="http://schemas.microsoft.com/office/drawing/2014/main" id="{E4FA3354-A12E-C0CA-9E9D-1144D68D65E2}"/>
+                  </a:ext>
+                </a:extLst>
+              </p:cNvPr>
+              <p:cNvSpPr txBox="1">
+                <a:spLocks noRot="1" noChangeAspect="1" noMove="1" noResize="1" noEditPoints="1" noAdjustHandles="1" noChangeArrowheads="1" noChangeShapeType="1" noTextEdit="1"/>
+              </p:cNvSpPr>
+              <p:nvPr/>
+            </p:nvSpPr>
+            <p:spPr>
+              <a:xfrm>
+                <a:off x="2007013" y="1690688"/>
+                <a:ext cx="7272000" cy="3416320"/>
+              </a:xfrm>
+              <a:prstGeom prst="rect">
+                <a:avLst/>
+              </a:prstGeom>
+              <a:blipFill>
+                <a:blip r:embed="rId2"/>
+                <a:stretch>
+                  <a:fillRect l="-671" t="-891" b="-1783"/>
+                </a:stretch>
+              </a:blipFill>
+            </p:spPr>
+            <p:txBody>
+              <a:bodyPr/>
+              <a:lstStyle/>
+              <a:p>
+                <a:r>
+                  <a:rPr lang="zh-CN" altLang="en-US">
+                    <a:noFill/>
+                  </a:rPr>
+                  <a:t> </a:t>
+                </a:r>
+              </a:p>
+            </p:txBody>
+          </p:sp>
+        </mc:Fallback>
+      </mc:AlternateContent>
+    </p:spTree>
+    <p:extLst>
+      <p:ext uri="{BB962C8B-B14F-4D97-AF65-F5344CB8AC3E}">
+        <p14:creationId xmlns:p14="http://schemas.microsoft.com/office/powerpoint/2010/main" val="1897806672"/>
+      </p:ext>
+    </p:extLst>
+  </p:cSld>
+  <p:clrMapOvr>
+    <a:masterClrMapping/>
+  </p:clrMapOvr>
+</p:sld>
+</file>
+
 <file path=ppt/slides/slide2.xml><?xml version="1.0" encoding="utf-8"?>
 <p:sld xmlns:a="http://schemas.openxmlformats.org/drawingml/2006/main" xmlns:r="http://schemas.openxmlformats.org/officeDocument/2006/relationships" xmlns:p="http://schemas.openxmlformats.org/presentationml/2006/main">
   <p:cSld>
@@ -3744,7 +4012,7 @@
             </p:nvSpPr>
             <p:spPr>
               <a:xfrm>
-                <a:off x="2975433" y="3845448"/>
+                <a:off x="2975433" y="4514372"/>
                 <a:ext cx="2564445" cy="1508105"/>
               </a:xfrm>
               <a:prstGeom prst="rect">
@@ -3812,7 +4080,13 @@
                         <a:rPr lang="en-US" altLang="zh-CN" b="0" i="1" smtClean="0">
                           <a:latin typeface="Cambria Math" panose="02040503050406030204" pitchFamily="18" charset="0"/>
                         </a:rPr>
-                        <m:t>=0.2</m:t>
+                        <m:t>=0.</m:t>
+                      </m:r>
+                      <m:r>
+                        <a:rPr lang="en-US" altLang="zh-CN" b="0" i="1" smtClean="0">
+                          <a:latin typeface="Cambria Math" panose="02040503050406030204" pitchFamily="18" charset="0"/>
+                        </a:rPr>
+                        <m:t>8</m:t>
                       </m:r>
                     </m:oMath>
                   </m:oMathPara>
@@ -3866,7 +4140,7 @@
             </p:nvSpPr>
             <p:spPr>
               <a:xfrm>
-                <a:off x="2975433" y="3845448"/>
+                <a:off x="2975433" y="4514372"/>
                 <a:ext cx="2564445" cy="1508105"/>
               </a:xfrm>
               <a:prstGeom prst="rect">
@@ -3909,7 +4183,7 @@
         <p:spPr>
           <a:xfrm>
             <a:off x="474388" y="1410936"/>
-            <a:ext cx="11357809" cy="1708160"/>
+            <a:ext cx="11357809" cy="2492990"/>
           </a:xfrm>
           <a:prstGeom prst="rect">
             <a:avLst/>
@@ -4028,7 +4302,78 @@
                 <a:latin typeface="Times New Roman" panose="02020603050405020304" pitchFamily="18" charset="0"/>
                 <a:cs typeface="Times New Roman" panose="02020603050405020304" pitchFamily="18" charset="0"/>
               </a:rPr>
-              <a:t> and P-tau181 will be measured at three months following the experimental treatment and control treatment. </a:t>
+              <a:t> and P-tau181 will be measured at three months following the experimental treatment and control treatment.</a:t>
+            </a:r>
+          </a:p>
+          <a:p>
+            <a:pPr>
+              <a:spcBef>
+                <a:spcPts val="900"/>
+              </a:spcBef>
+              <a:spcAft>
+                <a:spcPts val="900"/>
+              </a:spcAft>
+            </a:pPr>
+            <a:r>
+              <a:rPr lang="en-US" altLang="zh-CN" dirty="0">
+                <a:solidFill>
+                  <a:srgbClr val="212121"/>
+                </a:solidFill>
+                <a:latin typeface="Times New Roman" panose="02020603050405020304" pitchFamily="18" charset="0"/>
+                <a:cs typeface="Times New Roman" panose="02020603050405020304" pitchFamily="18" charset="0"/>
+              </a:rPr>
+              <a:t>Based on the </a:t>
+            </a:r>
+            <a:r>
+              <a:rPr lang="en-US" altLang="zh-CN" dirty="0" err="1">
+                <a:solidFill>
+                  <a:srgbClr val="212121"/>
+                </a:solidFill>
+                <a:latin typeface="Times New Roman" panose="02020603050405020304" pitchFamily="18" charset="0"/>
+                <a:cs typeface="Times New Roman" panose="02020603050405020304" pitchFamily="18" charset="0"/>
+              </a:rPr>
+              <a:t>NfL</a:t>
+            </a:r>
+            <a:r>
+              <a:rPr lang="en-US" altLang="zh-CN" dirty="0">
+                <a:solidFill>
+                  <a:srgbClr val="212121"/>
+                </a:solidFill>
+                <a:latin typeface="Times New Roman" panose="02020603050405020304" pitchFamily="18" charset="0"/>
+                <a:cs typeface="Times New Roman" panose="02020603050405020304" pitchFamily="18" charset="0"/>
+              </a:rPr>
+              <a:t> data in AD patients in Task 1 - Perform power calculations, and give a suggestion on the number of study participants, given that we would like to detect a 30% reduction in the geometric mean of </a:t>
+            </a:r>
+            <a:r>
+              <a:rPr lang="en-US" altLang="zh-CN" dirty="0" err="1">
+                <a:solidFill>
+                  <a:srgbClr val="212121"/>
+                </a:solidFill>
+                <a:latin typeface="Times New Roman" panose="02020603050405020304" pitchFamily="18" charset="0"/>
+                <a:cs typeface="Times New Roman" panose="02020603050405020304" pitchFamily="18" charset="0"/>
+              </a:rPr>
+              <a:t>NfL</a:t>
+            </a:r>
+            <a:r>
+              <a:rPr lang="en-US" altLang="zh-CN" dirty="0">
+                <a:solidFill>
+                  <a:srgbClr val="212121"/>
+                </a:solidFill>
+                <a:latin typeface="Times New Roman" panose="02020603050405020304" pitchFamily="18" charset="0"/>
+                <a:cs typeface="Times New Roman" panose="02020603050405020304" pitchFamily="18" charset="0"/>
+              </a:rPr>
+              <a:t>.</a:t>
+            </a:r>
+            <a:r>
+              <a:rPr lang="en-US" altLang="zh-CN" b="0" i="0" dirty="0">
+                <a:solidFill>
+                  <a:srgbClr val="212121"/>
+                </a:solidFill>
+                <a:effectLst/>
+                <a:latin typeface="Times New Roman" panose="02020603050405020304" pitchFamily="18" charset="0"/>
+                <a:cs typeface="Times New Roman" panose="02020603050405020304" pitchFamily="18" charset="0"/>
+              </a:rPr>
+              <a:t> </a:t>
             </a:r>
           </a:p>
         </p:txBody>
@@ -4049,7 +4394,7 @@
             </p:nvSpPr>
             <p:spPr>
               <a:xfrm>
-                <a:off x="5685403" y="3845447"/>
+                <a:off x="5685403" y="4514371"/>
                 <a:ext cx="3046090" cy="1455976"/>
               </a:xfrm>
               <a:prstGeom prst="rect">
@@ -4342,7 +4687,7 @@
             </p:nvSpPr>
             <p:spPr>
               <a:xfrm>
-                <a:off x="5685403" y="3845447"/>
+                <a:off x="5685403" y="4514371"/>
                 <a:ext cx="3046090" cy="1455976"/>
               </a:xfrm>
               <a:prstGeom prst="rect">
@@ -4480,8 +4825,8 @@
           </a:p>
         </p:txBody>
       </p:sp>
-      <mc:AlternateContent xmlns:mc="http://schemas.openxmlformats.org/markup-compatibility/2006">
-        <mc:Choice xmlns:a14="http://schemas.microsoft.com/office/drawing/2010/main" Requires="a14">
+      <mc:AlternateContent xmlns:mc="http://schemas.openxmlformats.org/markup-compatibility/2006" xmlns:a14="http://schemas.microsoft.com/office/drawing/2010/main">
+        <mc:Choice Requires="a14">
           <p:sp>
             <p:nvSpPr>
               <p:cNvPr id="12" name="TextBox 11">
@@ -4918,7 +5263,7 @@
             </p:txBody>
           </p:sp>
         </mc:Choice>
-        <mc:Fallback>
+        <mc:Fallback xmlns="">
           <p:sp>
             <p:nvSpPr>
               <p:cNvPr id="12" name="TextBox 11">
@@ -6775,7 +7120,7 @@
         <p:cNvPr id="1" name="">
           <a:extLst>
             <a:ext uri="{FF2B5EF4-FFF2-40B4-BE49-F238E27FC236}">
-              <a16:creationId xmlns:a16="http://schemas.microsoft.com/office/drawing/2014/main" id="{CE066CC5-1458-89AE-0EDE-63DF3E84861F}"/>
+              <a16:creationId xmlns:a16="http://schemas.microsoft.com/office/drawing/2014/main" id="{CCA63A8F-E4C0-5BE8-EF0E-03CA91BC81B4}"/>
             </a:ext>
           </a:extLst>
         </p:cNvPr>
@@ -6795,7 +7140,7 @@
           <p:cNvPr id="2" name="Title 1">
             <a:extLst>
               <a:ext uri="{FF2B5EF4-FFF2-40B4-BE49-F238E27FC236}">
-                <a16:creationId xmlns:a16="http://schemas.microsoft.com/office/drawing/2014/main" id="{D277CE3E-DAFC-9324-2570-2531F6D37DC7}"/>
+                <a16:creationId xmlns:a16="http://schemas.microsoft.com/office/drawing/2014/main" id="{01786B7E-08F2-823F-F3FE-6527DF4E6E2A}"/>
               </a:ext>
             </a:extLst>
           </p:cNvPr>
@@ -6809,7 +7154,7 @@
         <p:spPr>
           <a:xfrm>
             <a:off x="838200" y="365125"/>
-            <a:ext cx="2874632" cy="1325563"/>
+            <a:ext cx="1579744" cy="1325563"/>
           </a:xfrm>
         </p:spPr>
         <p:txBody>
@@ -6821,7 +7166,7 @@
                 <a:latin typeface="Times New Roman" panose="02020603050405020304" pitchFamily="18" charset="0"/>
                 <a:cs typeface="Times New Roman" panose="02020603050405020304" pitchFamily="18" charset="0"/>
               </a:rPr>
-              <a:t>Conclusion</a:t>
+              <a:t>Q3$4</a:t>
             </a:r>
             <a:endParaRPr lang="zh-CN" altLang="en-US" dirty="0">
               <a:latin typeface="Times New Roman" panose="02020603050405020304" pitchFamily="18" charset="0"/>
@@ -6830,201 +7175,168 @@
           </a:p>
         </p:txBody>
       </p:sp>
-      <mc:AlternateContent xmlns:mc="http://schemas.openxmlformats.org/markup-compatibility/2006">
-        <mc:Choice xmlns:a14="http://schemas.microsoft.com/office/drawing/2010/main" Requires="a14">
-          <p:sp>
-            <p:nvSpPr>
-              <p:cNvPr id="4" name="TextBox 3">
-                <a:extLst>
-                  <a:ext uri="{FF2B5EF4-FFF2-40B4-BE49-F238E27FC236}">
-                    <a16:creationId xmlns:a16="http://schemas.microsoft.com/office/drawing/2014/main" id="{E4FA3354-A12E-C0CA-9E9D-1144D68D65E2}"/>
-                  </a:ext>
-                </a:extLst>
-              </p:cNvPr>
-              <p:cNvSpPr txBox="1"/>
-              <p:nvPr/>
-            </p:nvSpPr>
-            <p:spPr>
-              <a:xfrm>
-                <a:off x="2007013" y="1690688"/>
-                <a:ext cx="7272000" cy="3416320"/>
-              </a:xfrm>
-              <a:prstGeom prst="rect">
-                <a:avLst/>
-              </a:prstGeom>
-              <a:noFill/>
-            </p:spPr>
-            <p:txBody>
-              <a:bodyPr wrap="square">
-                <a:spAutoFit/>
-              </a:bodyPr>
-              <a:lstStyle/>
-              <a:p>
-                <a:r>
-                  <a:rPr lang="en-US" altLang="zh-CN" b="1" dirty="0">
-                    <a:latin typeface="Times New Roman" panose="02020603050405020304" pitchFamily="18" charset="0"/>
-                    <a:cs typeface="Times New Roman" panose="02020603050405020304" pitchFamily="18" charset="0"/>
-                  </a:rPr>
-                  <a:t>Original Data Distribution:</a:t>
-                </a:r>
-              </a:p>
-              <a:p>
-                <a:r>
-                  <a:rPr lang="en-US" altLang="zh-CN" dirty="0">
-                    <a:latin typeface="Times New Roman" panose="02020603050405020304" pitchFamily="18" charset="0"/>
-                    <a:cs typeface="Times New Roman" panose="02020603050405020304" pitchFamily="18" charset="0"/>
-                  </a:rPr>
-                  <a:t>Boxplot, Histogram, QQ plot, and Shapiro-Wilk test show that Log(NFL) is normally distributed.</a:t>
-                </a:r>
-              </a:p>
-              <a:p>
-                <a:endParaRPr lang="en-US" altLang="zh-CN" dirty="0">
-                  <a:latin typeface="Times New Roman" panose="02020603050405020304" pitchFamily="18" charset="0"/>
-                  <a:cs typeface="Times New Roman" panose="02020603050405020304" pitchFamily="18" charset="0"/>
-                </a:endParaRPr>
-              </a:p>
-              <a:p>
-                <a:r>
-                  <a:rPr lang="en-US" altLang="zh-CN" b="1" dirty="0">
-                    <a:latin typeface="Times New Roman" panose="02020603050405020304" pitchFamily="18" charset="0"/>
-                    <a:cs typeface="Times New Roman" panose="02020603050405020304" pitchFamily="18" charset="0"/>
-                  </a:rPr>
-                  <a:t>Power Calculation:</a:t>
-                </a:r>
-              </a:p>
-              <a:p>
-                <a:r>
-                  <a:rPr lang="en-US" altLang="zh-CN" dirty="0">
-                    <a:latin typeface="Times New Roman" panose="02020603050405020304" pitchFamily="18" charset="0"/>
-                    <a:cs typeface="Times New Roman" panose="02020603050405020304" pitchFamily="18" charset="0"/>
-                  </a:rPr>
-                  <a:t>A target effect of 30% decrease in NFL, power of 0.8, and </a:t>
-                </a:r>
-                <a14:m>
-                  <m:oMath xmlns:m="http://schemas.openxmlformats.org/officeDocument/2006/math">
-                    <m:r>
-                      <a:rPr lang="zh-CN" altLang="en-US" i="1" smtClean="0">
-                        <a:latin typeface="Cambria Math" panose="02040503050406030204" pitchFamily="18" charset="0"/>
-                        <a:cs typeface="Times New Roman" panose="02020603050405020304" pitchFamily="18" charset="0"/>
-                      </a:rPr>
-                      <m:t>𝛼</m:t>
-                    </m:r>
-                    <m:r>
-                      <a:rPr lang="en-US" altLang="zh-CN" b="0" i="1" smtClean="0">
-                        <a:latin typeface="Cambria Math" panose="02040503050406030204" pitchFamily="18" charset="0"/>
-                        <a:cs typeface="Times New Roman" panose="02020603050405020304" pitchFamily="18" charset="0"/>
-                      </a:rPr>
-                      <m:t> </m:t>
-                    </m:r>
-                    <m:r>
-                      <a:rPr lang="en-US" altLang="zh-CN" b="0" i="1" smtClean="0">
-                        <a:latin typeface="Cambria Math" panose="02040503050406030204" pitchFamily="18" charset="0"/>
-                        <a:cs typeface="Times New Roman" panose="02020603050405020304" pitchFamily="18" charset="0"/>
-                      </a:rPr>
-                      <m:t>𝑜𝑓</m:t>
-                    </m:r>
-                    <m:r>
-                      <a:rPr lang="en-US" altLang="zh-CN" b="0" i="1" smtClean="0">
-                        <a:latin typeface="Cambria Math" panose="02040503050406030204" pitchFamily="18" charset="0"/>
-                        <a:cs typeface="Times New Roman" panose="02020603050405020304" pitchFamily="18" charset="0"/>
-                      </a:rPr>
-                      <m:t> 0.05</m:t>
-                    </m:r>
-                  </m:oMath>
-                </a14:m>
-                <a:r>
-                  <a:rPr lang="en-US" altLang="zh-CN" dirty="0">
-                    <a:latin typeface="Times New Roman" panose="02020603050405020304" pitchFamily="18" charset="0"/>
-                    <a:cs typeface="Times New Roman" panose="02020603050405020304" pitchFamily="18" charset="0"/>
-                  </a:rPr>
-                  <a:t>, result in the sample size should be no less than 37 individuals for every group.</a:t>
-                </a:r>
-              </a:p>
-              <a:p>
-                <a:endParaRPr lang="en-US" altLang="zh-CN" dirty="0">
-                  <a:latin typeface="Times New Roman" panose="02020603050405020304" pitchFamily="18" charset="0"/>
-                  <a:cs typeface="Times New Roman" panose="02020603050405020304" pitchFamily="18" charset="0"/>
-                </a:endParaRPr>
-              </a:p>
-              <a:p>
-                <a:r>
-                  <a:rPr lang="en-US" altLang="zh-CN" b="1" dirty="0">
-                    <a:latin typeface="Times New Roman" panose="02020603050405020304" pitchFamily="18" charset="0"/>
-                    <a:cs typeface="Times New Roman" panose="02020603050405020304" pitchFamily="18" charset="0"/>
-                  </a:rPr>
-                  <a:t>Analysis of Simulated Data:</a:t>
-                </a:r>
-              </a:p>
-              <a:p>
-                <a:r>
-                  <a:rPr lang="en-US" altLang="zh-CN" dirty="0">
-                    <a:latin typeface="Times New Roman" panose="02020603050405020304" pitchFamily="18" charset="0"/>
-                    <a:cs typeface="Times New Roman" panose="02020603050405020304" pitchFamily="18" charset="0"/>
-                  </a:rPr>
-                  <a:t>Log(NFL) is approximately normal in both groups.</a:t>
-                </a:r>
-              </a:p>
-              <a:p>
-                <a:r>
-                  <a:rPr lang="en-US" altLang="zh-CN" dirty="0">
-                    <a:latin typeface="Times New Roman" panose="02020603050405020304" pitchFamily="18" charset="0"/>
-                    <a:cs typeface="Times New Roman" panose="02020603050405020304" pitchFamily="18" charset="0"/>
-                  </a:rPr>
-                  <a:t>The t-test shows that the NFL level significantly decreased after MECAS-123 treatment.</a:t>
-                </a:r>
-              </a:p>
-            </p:txBody>
-          </p:sp>
-        </mc:Choice>
-        <mc:Fallback>
-          <p:sp>
-            <p:nvSpPr>
-              <p:cNvPr id="4" name="TextBox 3">
-                <a:extLst>
-                  <a:ext uri="{FF2B5EF4-FFF2-40B4-BE49-F238E27FC236}">
-                    <a16:creationId xmlns:a16="http://schemas.microsoft.com/office/drawing/2014/main" id="{E4FA3354-A12E-C0CA-9E9D-1144D68D65E2}"/>
-                  </a:ext>
-                </a:extLst>
-              </p:cNvPr>
-              <p:cNvSpPr txBox="1">
-                <a:spLocks noRot="1" noChangeAspect="1" noMove="1" noResize="1" noEditPoints="1" noAdjustHandles="1" noChangeArrowheads="1" noChangeShapeType="1" noTextEdit="1"/>
-              </p:cNvSpPr>
-              <p:nvPr/>
-            </p:nvSpPr>
-            <p:spPr>
-              <a:xfrm>
-                <a:off x="2007013" y="1690688"/>
-                <a:ext cx="7272000" cy="3416320"/>
-              </a:xfrm>
-              <a:prstGeom prst="rect">
-                <a:avLst/>
-              </a:prstGeom>
-              <a:blipFill>
-                <a:blip r:embed="rId2"/>
-                <a:stretch>
-                  <a:fillRect l="-671" t="-891" b="-1783"/>
-                </a:stretch>
-              </a:blipFill>
-            </p:spPr>
-            <p:txBody>
-              <a:bodyPr/>
-              <a:lstStyle/>
-              <a:p>
-                <a:r>
-                  <a:rPr lang="zh-CN" altLang="en-US">
-                    <a:noFill/>
-                  </a:rPr>
-                  <a:t> </a:t>
-                </a:r>
-              </a:p>
-            </p:txBody>
-          </p:sp>
-        </mc:Fallback>
-      </mc:AlternateContent>
+      <p:sp>
+        <p:nvSpPr>
+          <p:cNvPr id="3" name="TextBox 2">
+            <a:extLst>
+              <a:ext uri="{FF2B5EF4-FFF2-40B4-BE49-F238E27FC236}">
+                <a16:creationId xmlns:a16="http://schemas.microsoft.com/office/drawing/2014/main" id="{0B426779-475B-3E67-1D81-570F41D983B8}"/>
+              </a:ext>
+            </a:extLst>
+          </p:cNvPr>
+          <p:cNvSpPr txBox="1"/>
+          <p:nvPr/>
+        </p:nvSpPr>
+        <p:spPr>
+          <a:xfrm>
+            <a:off x="1294888" y="6160957"/>
+            <a:ext cx="9209461" cy="400110"/>
+          </a:xfrm>
+          <a:prstGeom prst="rect">
+            <a:avLst/>
+          </a:prstGeom>
+          <a:noFill/>
+        </p:spPr>
+        <p:txBody>
+          <a:bodyPr wrap="square" rtlCol="0">
+            <a:spAutoFit/>
+          </a:bodyPr>
+          <a:lstStyle/>
+          <a:p>
+            <a:pPr marL="342900" indent="-342900" algn="ctr">
+              <a:buFont typeface="Wingdings" panose="05000000000000000000" pitchFamily="2" charset="2"/>
+              <a:buChar char="Ø"/>
+            </a:pPr>
+            <a:r>
+              <a:rPr lang="en-US" altLang="zh-CN" sz="2000" dirty="0">
+                <a:latin typeface="Times New Roman" panose="02020603050405020304" pitchFamily="18" charset="0"/>
+                <a:cs typeface="Times New Roman" panose="02020603050405020304" pitchFamily="18" charset="0"/>
+              </a:rPr>
+              <a:t>Indicates that log(NFL) decrease significantly after MECAS-123 treatment.</a:t>
+            </a:r>
+            <a:endParaRPr lang="zh-CN" altLang="en-US" dirty="0">
+              <a:latin typeface="Times New Roman" panose="02020603050405020304" pitchFamily="18" charset="0"/>
+              <a:cs typeface="Times New Roman" panose="02020603050405020304" pitchFamily="18" charset="0"/>
+            </a:endParaRPr>
+          </a:p>
+        </p:txBody>
+      </p:sp>
+      <p:sp>
+        <p:nvSpPr>
+          <p:cNvPr id="6" name="TextBox 5">
+            <a:extLst>
+              <a:ext uri="{FF2B5EF4-FFF2-40B4-BE49-F238E27FC236}">
+                <a16:creationId xmlns:a16="http://schemas.microsoft.com/office/drawing/2014/main" id="{A6DAAF95-1B9D-D237-B301-7CE22BD921B6}"/>
+              </a:ext>
+            </a:extLst>
+          </p:cNvPr>
+          <p:cNvSpPr txBox="1"/>
+          <p:nvPr/>
+        </p:nvSpPr>
+        <p:spPr>
+          <a:xfrm>
+            <a:off x="2559093" y="750116"/>
+            <a:ext cx="9101042" cy="987450"/>
+          </a:xfrm>
+          <a:prstGeom prst="rect">
+            <a:avLst/>
+          </a:prstGeom>
+          <a:noFill/>
+        </p:spPr>
+        <p:txBody>
+          <a:bodyPr wrap="square">
+            <a:spAutoFit/>
+          </a:bodyPr>
+          <a:lstStyle/>
+          <a:p>
+            <a:pPr algn="l">
+              <a:spcAft>
+                <a:spcPts val="450"/>
+              </a:spcAft>
+            </a:pPr>
+            <a:r>
+              <a:rPr lang="en-US" altLang="zh-CN" dirty="0">
+                <a:solidFill>
+                  <a:srgbClr val="212121"/>
+                </a:solidFill>
+                <a:latin typeface="Times New Roman" panose="02020603050405020304" pitchFamily="18" charset="0"/>
+                <a:cs typeface="Times New Roman" panose="02020603050405020304" pitchFamily="18" charset="0"/>
+              </a:rPr>
+              <a:t>3. </a:t>
+            </a:r>
+            <a:r>
+              <a:rPr lang="en-US" altLang="zh-CN" b="0" i="0" dirty="0">
+                <a:solidFill>
+                  <a:srgbClr val="212121"/>
+                </a:solidFill>
+                <a:effectLst/>
+                <a:latin typeface="Times New Roman" panose="02020603050405020304" pitchFamily="18" charset="0"/>
+                <a:cs typeface="Times New Roman" panose="02020603050405020304" pitchFamily="18" charset="0"/>
+              </a:rPr>
+              <a:t>Retrieve the clinical data at your suggested sample size (N = study participants per study arm) using the CM2018 R package.</a:t>
+            </a:r>
+          </a:p>
+          <a:p>
+            <a:pPr algn="l">
+              <a:spcAft>
+                <a:spcPts val="450"/>
+              </a:spcAft>
+            </a:pPr>
+            <a:r>
+              <a:rPr lang="en-US" altLang="zh-CN" dirty="0">
+                <a:solidFill>
+                  <a:srgbClr val="212121"/>
+                </a:solidFill>
+                <a:latin typeface="Times New Roman" panose="02020603050405020304" pitchFamily="18" charset="0"/>
+                <a:cs typeface="Times New Roman" panose="02020603050405020304" pitchFamily="18" charset="0"/>
+              </a:rPr>
+              <a:t>4. Carry out the statistical analysis based on your plan. What conclusions can be drawn?</a:t>
+            </a:r>
+            <a:endParaRPr lang="en-US" altLang="zh-CN" b="0" i="0" dirty="0">
+              <a:solidFill>
+                <a:srgbClr val="212121"/>
+              </a:solidFill>
+              <a:effectLst/>
+              <a:latin typeface="Times New Roman" panose="02020603050405020304" pitchFamily="18" charset="0"/>
+              <a:cs typeface="Times New Roman" panose="02020603050405020304" pitchFamily="18" charset="0"/>
+            </a:endParaRPr>
+          </a:p>
+        </p:txBody>
+      </p:sp>
+      <p:pic>
+        <p:nvPicPr>
+          <p:cNvPr id="7" name="Picture 6">
+            <a:extLst>
+              <a:ext uri="{FF2B5EF4-FFF2-40B4-BE49-F238E27FC236}">
+                <a16:creationId xmlns:a16="http://schemas.microsoft.com/office/drawing/2014/main" id="{42A77DFE-C374-B0B0-E91B-AC36AF5C5DAD}"/>
+              </a:ext>
+            </a:extLst>
+          </p:cNvPr>
+          <p:cNvPicPr>
+            <a:picLocks noChangeAspect="1"/>
+          </p:cNvPicPr>
+          <p:nvPr/>
+        </p:nvPicPr>
+        <p:blipFill>
+          <a:blip r:embed="rId2"/>
+          <a:stretch>
+            <a:fillRect/>
+          </a:stretch>
+        </p:blipFill>
+        <p:spPr>
+          <a:xfrm>
+            <a:off x="1899651" y="1690688"/>
+            <a:ext cx="8392696" cy="4363059"/>
+          </a:xfrm>
+          <a:prstGeom prst="rect">
+            <a:avLst/>
+          </a:prstGeom>
+        </p:spPr>
+      </p:pic>
     </p:spTree>
     <p:extLst>
       <p:ext uri="{BB962C8B-B14F-4D97-AF65-F5344CB8AC3E}">
-        <p14:creationId xmlns:p14="http://schemas.microsoft.com/office/powerpoint/2010/main" val="1897806672"/>
+        <p14:creationId xmlns:p14="http://schemas.microsoft.com/office/powerpoint/2010/main" val="1039654536"/>
       </p:ext>
     </p:extLst>
   </p:cSld>

--- a/Presentations/Task2_Presentation.pptx
+++ b/Presentations/Task2_Presentation.pptx
@@ -4086,7 +4086,7 @@
                         <a:rPr lang="en-US" altLang="zh-CN" b="0" i="1" smtClean="0">
                           <a:latin typeface="Cambria Math" panose="02040503050406030204" pitchFamily="18" charset="0"/>
                         </a:rPr>
-                        <m:t>8</m:t>
+                        <m:t>2</m:t>
                       </m:r>
                     </m:oMath>
                   </m:oMathPara>
@@ -4825,8 +4825,8 @@
           </a:p>
         </p:txBody>
       </p:sp>
-      <mc:AlternateContent xmlns:mc="http://schemas.openxmlformats.org/markup-compatibility/2006" xmlns:a14="http://schemas.microsoft.com/office/drawing/2010/main">
-        <mc:Choice Requires="a14">
+      <mc:AlternateContent xmlns:mc="http://schemas.openxmlformats.org/markup-compatibility/2006">
+        <mc:Choice xmlns:a14="http://schemas.microsoft.com/office/drawing/2010/main" Requires="a14">
           <p:sp>
             <p:nvSpPr>
               <p:cNvPr id="12" name="TextBox 11">
@@ -4842,7 +4842,7 @@
             <p:spPr>
               <a:xfrm>
                 <a:off x="565280" y="3288745"/>
-                <a:ext cx="4150895" cy="1409297"/>
+                <a:ext cx="4150895" cy="1570045"/>
               </a:xfrm>
               <a:prstGeom prst="rect">
                 <a:avLst/>
@@ -4987,283 +4987,292 @@
               <a:p>
                 <a:pPr/>
                 <a14:m>
-                  <m:oMathPara xmlns:m="http://schemas.openxmlformats.org/officeDocument/2006/math">
-                    <m:oMathParaPr>
-                      <m:jc m:val="centerGroup"/>
-                    </m:oMathParaPr>
-                    <m:oMath xmlns:m="http://schemas.openxmlformats.org/officeDocument/2006/math">
-                      <m:r>
-                        <a:rPr lang="zh-CN" altLang="en-US" i="1" smtClean="0">
-                          <a:latin typeface="Cambria Math" panose="02040503050406030204" pitchFamily="18" charset="0"/>
-                        </a:rPr>
-                        <m:t>∆</m:t>
-                      </m:r>
-                      <m:func>
-                        <m:funcPr>
-                          <m:ctrlPr>
-                            <a:rPr lang="en-US" altLang="zh-CN" b="0" i="1" smtClean="0">
-                              <a:latin typeface="Cambria Math" panose="02040503050406030204" pitchFamily="18" charset="0"/>
-                            </a:rPr>
-                          </m:ctrlPr>
-                        </m:funcPr>
-                        <m:fName>
-                          <m:r>
-                            <m:rPr>
-                              <m:sty m:val="p"/>
-                            </m:rPr>
-                            <a:rPr lang="en-US" altLang="zh-CN" b="0" i="0" smtClean="0">
-                              <a:latin typeface="Cambria Math" panose="02040503050406030204" pitchFamily="18" charset="0"/>
-                            </a:rPr>
-                            <m:t>log</m:t>
-                          </m:r>
-                        </m:fName>
-                        <m:e>
-                          <m:d>
-                            <m:dPr>
-                              <m:ctrlPr>
-                                <a:rPr lang="en-US" altLang="zh-CN" b="0" i="1" smtClean="0">
-                                  <a:latin typeface="Cambria Math" panose="02040503050406030204" pitchFamily="18" charset="0"/>
-                                </a:rPr>
-                              </m:ctrlPr>
-                            </m:dPr>
-                            <m:e>
-                              <m:r>
-                                <a:rPr lang="zh-CN" altLang="en-US" i="1" smtClean="0">
-                                  <a:latin typeface="Cambria Math" panose="02040503050406030204" pitchFamily="18" charset="0"/>
-                                </a:rPr>
-                                <m:t>𝜇</m:t>
-                              </m:r>
-                            </m:e>
-                          </m:d>
-                        </m:e>
-                      </m:func>
-                      <m:r>
-                        <a:rPr lang="en-US" altLang="zh-CN" b="0" i="1" smtClean="0">
-                          <a:latin typeface="Cambria Math" panose="02040503050406030204" pitchFamily="18" charset="0"/>
-                        </a:rPr>
-                        <m:t>=</m:t>
-                      </m:r>
-                      <m:func>
-                        <m:funcPr>
-                          <m:ctrlPr>
-                            <a:rPr lang="en-US" altLang="zh-CN" b="0" i="1" smtClean="0">
-                              <a:latin typeface="Cambria Math" panose="02040503050406030204" pitchFamily="18" charset="0"/>
-                            </a:rPr>
-                          </m:ctrlPr>
-                        </m:funcPr>
-                        <m:fName>
-                          <m:r>
-                            <m:rPr>
-                              <m:sty m:val="p"/>
-                            </m:rPr>
-                            <a:rPr lang="en-US" altLang="zh-CN" b="0" i="0" smtClean="0">
-                              <a:latin typeface="Cambria Math" panose="02040503050406030204" pitchFamily="18" charset="0"/>
-                            </a:rPr>
-                            <m:t>log</m:t>
-                          </m:r>
-                        </m:fName>
-                        <m:e>
-                          <m:d>
-                            <m:dPr>
-                              <m:ctrlPr>
-                                <a:rPr lang="en-US" altLang="zh-CN" b="0" i="1" smtClean="0">
-                                  <a:latin typeface="Cambria Math" panose="02040503050406030204" pitchFamily="18" charset="0"/>
-                                </a:rPr>
-                              </m:ctrlPr>
-                            </m:dPr>
-                            <m:e>
-                              <m:sSub>
-                                <m:sSubPr>
-                                  <m:ctrlPr>
-                                    <a:rPr lang="en-US" altLang="zh-CN" b="0" i="1" smtClean="0">
-                                      <a:latin typeface="Cambria Math" panose="02040503050406030204" pitchFamily="18" charset="0"/>
-                                    </a:rPr>
-                                  </m:ctrlPr>
-                                </m:sSubPr>
-                                <m:e>
-                                  <m:r>
-                                    <a:rPr lang="zh-CN" altLang="en-US" b="0" i="1" smtClean="0">
-                                      <a:latin typeface="Cambria Math" panose="02040503050406030204" pitchFamily="18" charset="0"/>
-                                    </a:rPr>
-                                    <m:t>𝜇</m:t>
-                                  </m:r>
-                                </m:e>
-                                <m:sub>
-                                  <m:r>
-                                    <a:rPr lang="en-US" altLang="zh-CN" b="0" i="1" smtClean="0">
-                                      <a:latin typeface="Cambria Math" panose="02040503050406030204" pitchFamily="18" charset="0"/>
-                                    </a:rPr>
-                                    <m:t>1</m:t>
-                                  </m:r>
-                                </m:sub>
-                              </m:sSub>
-                            </m:e>
-                          </m:d>
-                        </m:e>
-                      </m:func>
-                      <m:r>
-                        <a:rPr lang="en-US" altLang="zh-CN" b="0" i="1" smtClean="0">
-                          <a:latin typeface="Cambria Math" panose="02040503050406030204" pitchFamily="18" charset="0"/>
-                        </a:rPr>
-                        <m:t>−</m:t>
-                      </m:r>
-                      <m:func>
-                        <m:funcPr>
-                          <m:ctrlPr>
-                            <a:rPr lang="en-US" altLang="zh-CN" b="0" i="1" smtClean="0">
-                              <a:latin typeface="Cambria Math" panose="02040503050406030204" pitchFamily="18" charset="0"/>
-                            </a:rPr>
-                          </m:ctrlPr>
-                        </m:funcPr>
-                        <m:fName>
-                          <m:r>
-                            <m:rPr>
-                              <m:sty m:val="p"/>
-                            </m:rPr>
-                            <a:rPr lang="en-US" altLang="zh-CN" b="0" i="0" smtClean="0">
-                              <a:latin typeface="Cambria Math" panose="02040503050406030204" pitchFamily="18" charset="0"/>
-                            </a:rPr>
-                            <m:t>log</m:t>
-                          </m:r>
-                        </m:fName>
-                        <m:e>
-                          <m:d>
-                            <m:dPr>
-                              <m:ctrlPr>
-                                <a:rPr lang="en-US" altLang="zh-CN" b="0" i="1" smtClean="0">
-                                  <a:latin typeface="Cambria Math" panose="02040503050406030204" pitchFamily="18" charset="0"/>
-                                </a:rPr>
-                              </m:ctrlPr>
-                            </m:dPr>
-                            <m:e>
-                              <m:sSub>
-                                <m:sSubPr>
-                                  <m:ctrlPr>
-                                    <a:rPr lang="en-US" altLang="zh-CN" b="0" i="1" smtClean="0">
-                                      <a:latin typeface="Cambria Math" panose="02040503050406030204" pitchFamily="18" charset="0"/>
-                                    </a:rPr>
-                                  </m:ctrlPr>
-                                </m:sSubPr>
-                                <m:e>
-                                  <m:r>
-                                    <a:rPr lang="zh-CN" altLang="en-US" b="0" i="1" smtClean="0">
-                                      <a:latin typeface="Cambria Math" panose="02040503050406030204" pitchFamily="18" charset="0"/>
-                                    </a:rPr>
-                                    <m:t>𝜇</m:t>
-                                  </m:r>
-                                </m:e>
-                                <m:sub>
-                                  <m:r>
-                                    <a:rPr lang="en-US" altLang="zh-CN" b="0" i="1" smtClean="0">
-                                      <a:latin typeface="Cambria Math" panose="02040503050406030204" pitchFamily="18" charset="0"/>
-                                    </a:rPr>
-                                    <m:t>0</m:t>
-                                  </m:r>
-                                </m:sub>
-                              </m:sSub>
-                            </m:e>
-                          </m:d>
-                        </m:e>
-                      </m:func>
-                      <m:r>
-                        <a:rPr lang="en-US" altLang="zh-CN" b="0" i="1" smtClean="0">
-                          <a:latin typeface="Cambria Math" panose="02040503050406030204" pitchFamily="18" charset="0"/>
-                        </a:rPr>
-                        <m:t>=</m:t>
-                      </m:r>
-                      <m:r>
-                        <m:rPr>
-                          <m:sty m:val="p"/>
-                        </m:rPr>
-                        <a:rPr lang="en-US" altLang="zh-CN" b="0" i="0" smtClean="0">
-                          <a:latin typeface="Cambria Math" panose="02040503050406030204" pitchFamily="18" charset="0"/>
-                        </a:rPr>
-                        <m:t>log</m:t>
-                      </m:r>
-                      <m:r>
-                        <a:rPr lang="en-US" altLang="zh-CN" b="0" i="1" smtClean="0">
-                          <a:latin typeface="Cambria Math" panose="02040503050406030204" pitchFamily="18" charset="0"/>
-                        </a:rPr>
-                        <m:t>⁡(</m:t>
-                      </m:r>
-                      <m:f>
-                        <m:fPr>
-                          <m:ctrlPr>
-                            <a:rPr lang="en-US" altLang="zh-CN" b="0" i="1" smtClean="0">
-                              <a:latin typeface="Cambria Math" panose="02040503050406030204" pitchFamily="18" charset="0"/>
-                            </a:rPr>
-                          </m:ctrlPr>
-                        </m:fPr>
-                        <m:num>
-                          <m:sSub>
-                            <m:sSubPr>
-                              <m:ctrlPr>
-                                <a:rPr lang="en-US" altLang="zh-CN" b="0" i="1" smtClean="0">
-                                  <a:latin typeface="Cambria Math" panose="02040503050406030204" pitchFamily="18" charset="0"/>
-                                </a:rPr>
-                              </m:ctrlPr>
-                            </m:sSubPr>
-                            <m:e>
-                              <m:r>
-                                <a:rPr lang="zh-CN" altLang="en-US" b="0" i="1" smtClean="0">
-                                  <a:latin typeface="Cambria Math" panose="02040503050406030204" pitchFamily="18" charset="0"/>
-                                </a:rPr>
-                                <m:t>𝜇</m:t>
-                              </m:r>
-                            </m:e>
-                            <m:sub>
-                              <m:r>
-                                <a:rPr lang="en-US" altLang="zh-CN" b="0" i="1" smtClean="0">
-                                  <a:latin typeface="Cambria Math" panose="02040503050406030204" pitchFamily="18" charset="0"/>
-                                </a:rPr>
-                                <m:t>1</m:t>
-                              </m:r>
-                            </m:sub>
-                          </m:sSub>
-                        </m:num>
-                        <m:den>
-                          <m:sSub>
-                            <m:sSubPr>
-                              <m:ctrlPr>
-                                <a:rPr lang="en-US" altLang="zh-CN" b="0" i="1" smtClean="0">
-                                  <a:latin typeface="Cambria Math" panose="02040503050406030204" pitchFamily="18" charset="0"/>
-                                </a:rPr>
-                              </m:ctrlPr>
-                            </m:sSubPr>
-                            <m:e>
-                              <m:r>
-                                <a:rPr lang="zh-CN" altLang="en-US" b="0" i="1" smtClean="0">
-                                  <a:latin typeface="Cambria Math" panose="02040503050406030204" pitchFamily="18" charset="0"/>
-                                </a:rPr>
-                                <m:t>𝜇</m:t>
-                              </m:r>
-                            </m:e>
-                            <m:sub>
-                              <m:r>
-                                <a:rPr lang="en-US" altLang="zh-CN" b="0" i="1" smtClean="0">
-                                  <a:latin typeface="Cambria Math" panose="02040503050406030204" pitchFamily="18" charset="0"/>
-                                </a:rPr>
-                                <m:t>0</m:t>
-                              </m:r>
-                            </m:sub>
-                          </m:sSub>
-                        </m:den>
-                      </m:f>
-                      <m:r>
-                        <a:rPr lang="en-US" altLang="zh-CN" b="0" i="1" smtClean="0">
-                          <a:latin typeface="Cambria Math" panose="02040503050406030204" pitchFamily="18" charset="0"/>
-                        </a:rPr>
-                        <m:t>)</m:t>
-                      </m:r>
-                    </m:oMath>
-                  </m:oMathPara>
+                  <m:oMath xmlns:m="http://schemas.openxmlformats.org/officeDocument/2006/math">
+                    <m:r>
+                      <a:rPr lang="zh-CN" altLang="en-US" i="1" smtClean="0">
+                        <a:latin typeface="Cambria Math" panose="02040503050406030204" pitchFamily="18" charset="0"/>
+                      </a:rPr>
+                      <m:t>∆</m:t>
+                    </m:r>
+                    <m:func>
+                      <m:funcPr>
+                        <m:ctrlPr>
+                          <a:rPr lang="en-US" altLang="zh-CN" b="0" i="1" smtClean="0">
+                            <a:latin typeface="Cambria Math" panose="02040503050406030204" pitchFamily="18" charset="0"/>
+                          </a:rPr>
+                        </m:ctrlPr>
+                      </m:funcPr>
+                      <m:fName>
+                        <m:r>
+                          <m:rPr>
+                            <m:sty m:val="p"/>
+                          </m:rPr>
+                          <a:rPr lang="en-US" altLang="zh-CN" b="0" i="0" smtClean="0">
+                            <a:latin typeface="Cambria Math" panose="02040503050406030204" pitchFamily="18" charset="0"/>
+                          </a:rPr>
+                          <m:t>log</m:t>
+                        </m:r>
+                      </m:fName>
+                      <m:e>
+                        <m:d>
+                          <m:dPr>
+                            <m:ctrlPr>
+                              <a:rPr lang="en-US" altLang="zh-CN" b="0" i="1" smtClean="0">
+                                <a:latin typeface="Cambria Math" panose="02040503050406030204" pitchFamily="18" charset="0"/>
+                              </a:rPr>
+                            </m:ctrlPr>
+                          </m:dPr>
+                          <m:e>
+                            <m:r>
+                              <a:rPr lang="zh-CN" altLang="en-US" i="1" smtClean="0">
+                                <a:latin typeface="Cambria Math" panose="02040503050406030204" pitchFamily="18" charset="0"/>
+                              </a:rPr>
+                              <m:t>𝜇</m:t>
+                            </m:r>
+                          </m:e>
+                        </m:d>
+                      </m:e>
+                    </m:func>
+                    <m:r>
+                      <a:rPr lang="en-US" altLang="zh-CN" b="0" i="1" smtClean="0">
+                        <a:latin typeface="Cambria Math" panose="02040503050406030204" pitchFamily="18" charset="0"/>
+                      </a:rPr>
+                      <m:t>=</m:t>
+                    </m:r>
+                    <m:func>
+                      <m:funcPr>
+                        <m:ctrlPr>
+                          <a:rPr lang="en-US" altLang="zh-CN" b="0" i="1" smtClean="0">
+                            <a:latin typeface="Cambria Math" panose="02040503050406030204" pitchFamily="18" charset="0"/>
+                          </a:rPr>
+                        </m:ctrlPr>
+                      </m:funcPr>
+                      <m:fName>
+                        <m:r>
+                          <m:rPr>
+                            <m:sty m:val="p"/>
+                          </m:rPr>
+                          <a:rPr lang="en-US" altLang="zh-CN" b="0" i="0" smtClean="0">
+                            <a:latin typeface="Cambria Math" panose="02040503050406030204" pitchFamily="18" charset="0"/>
+                          </a:rPr>
+                          <m:t>log</m:t>
+                        </m:r>
+                      </m:fName>
+                      <m:e>
+                        <m:d>
+                          <m:dPr>
+                            <m:ctrlPr>
+                              <a:rPr lang="en-US" altLang="zh-CN" b="0" i="1" smtClean="0">
+                                <a:latin typeface="Cambria Math" panose="02040503050406030204" pitchFamily="18" charset="0"/>
+                              </a:rPr>
+                            </m:ctrlPr>
+                          </m:dPr>
+                          <m:e>
+                            <m:sSub>
+                              <m:sSubPr>
+                                <m:ctrlPr>
+                                  <a:rPr lang="en-US" altLang="zh-CN" b="0" i="1" smtClean="0">
+                                    <a:latin typeface="Cambria Math" panose="02040503050406030204" pitchFamily="18" charset="0"/>
+                                  </a:rPr>
+                                </m:ctrlPr>
+                              </m:sSubPr>
+                              <m:e>
+                                <m:r>
+                                  <a:rPr lang="zh-CN" altLang="en-US" b="0" i="1" smtClean="0">
+                                    <a:latin typeface="Cambria Math" panose="02040503050406030204" pitchFamily="18" charset="0"/>
+                                  </a:rPr>
+                                  <m:t>𝜇</m:t>
+                                </m:r>
+                              </m:e>
+                              <m:sub>
+                                <m:r>
+                                  <a:rPr lang="en-US" altLang="zh-CN" b="0" i="1" smtClean="0">
+                                    <a:latin typeface="Cambria Math" panose="02040503050406030204" pitchFamily="18" charset="0"/>
+                                  </a:rPr>
+                                  <m:t>1</m:t>
+                                </m:r>
+                              </m:sub>
+                            </m:sSub>
+                          </m:e>
+                        </m:d>
+                      </m:e>
+                    </m:func>
+                    <m:r>
+                      <a:rPr lang="en-US" altLang="zh-CN" b="0" i="1" smtClean="0">
+                        <a:latin typeface="Cambria Math" panose="02040503050406030204" pitchFamily="18" charset="0"/>
+                      </a:rPr>
+                      <m:t>−</m:t>
+                    </m:r>
+                    <m:func>
+                      <m:funcPr>
+                        <m:ctrlPr>
+                          <a:rPr lang="en-US" altLang="zh-CN" b="0" i="1" smtClean="0">
+                            <a:latin typeface="Cambria Math" panose="02040503050406030204" pitchFamily="18" charset="0"/>
+                          </a:rPr>
+                        </m:ctrlPr>
+                      </m:funcPr>
+                      <m:fName>
+                        <m:r>
+                          <m:rPr>
+                            <m:sty m:val="p"/>
+                          </m:rPr>
+                          <a:rPr lang="en-US" altLang="zh-CN" b="0" i="0" smtClean="0">
+                            <a:latin typeface="Cambria Math" panose="02040503050406030204" pitchFamily="18" charset="0"/>
+                          </a:rPr>
+                          <m:t>log</m:t>
+                        </m:r>
+                      </m:fName>
+                      <m:e>
+                        <m:d>
+                          <m:dPr>
+                            <m:ctrlPr>
+                              <a:rPr lang="en-US" altLang="zh-CN" b="0" i="1" smtClean="0">
+                                <a:latin typeface="Cambria Math" panose="02040503050406030204" pitchFamily="18" charset="0"/>
+                              </a:rPr>
+                            </m:ctrlPr>
+                          </m:dPr>
+                          <m:e>
+                            <m:sSub>
+                              <m:sSubPr>
+                                <m:ctrlPr>
+                                  <a:rPr lang="en-US" altLang="zh-CN" b="0" i="1" smtClean="0">
+                                    <a:latin typeface="Cambria Math" panose="02040503050406030204" pitchFamily="18" charset="0"/>
+                                  </a:rPr>
+                                </m:ctrlPr>
+                              </m:sSubPr>
+                              <m:e>
+                                <m:r>
+                                  <a:rPr lang="zh-CN" altLang="en-US" b="0" i="1" smtClean="0">
+                                    <a:latin typeface="Cambria Math" panose="02040503050406030204" pitchFamily="18" charset="0"/>
+                                  </a:rPr>
+                                  <m:t>𝜇</m:t>
+                                </m:r>
+                              </m:e>
+                              <m:sub>
+                                <m:r>
+                                  <a:rPr lang="en-US" altLang="zh-CN" b="0" i="1" smtClean="0">
+                                    <a:latin typeface="Cambria Math" panose="02040503050406030204" pitchFamily="18" charset="0"/>
+                                  </a:rPr>
+                                  <m:t>0</m:t>
+                                </m:r>
+                              </m:sub>
+                            </m:sSub>
+                          </m:e>
+                        </m:d>
+                      </m:e>
+                    </m:func>
+                    <m:r>
+                      <a:rPr lang="en-US" altLang="zh-CN" b="0" i="1" smtClean="0">
+                        <a:latin typeface="Cambria Math" panose="02040503050406030204" pitchFamily="18" charset="0"/>
+                      </a:rPr>
+                      <m:t>=</m:t>
+                    </m:r>
+                    <m:r>
+                      <m:rPr>
+                        <m:sty m:val="p"/>
+                      </m:rPr>
+                      <a:rPr lang="en-US" altLang="zh-CN" b="0" i="0" smtClean="0">
+                        <a:latin typeface="Cambria Math" panose="02040503050406030204" pitchFamily="18" charset="0"/>
+                      </a:rPr>
+                      <m:t>log</m:t>
+                    </m:r>
+                    <m:r>
+                      <a:rPr lang="en-US" altLang="zh-CN" b="0" i="1" smtClean="0">
+                        <a:latin typeface="Cambria Math" panose="02040503050406030204" pitchFamily="18" charset="0"/>
+                      </a:rPr>
+                      <m:t>⁡(</m:t>
+                    </m:r>
+                    <m:f>
+                      <m:fPr>
+                        <m:ctrlPr>
+                          <a:rPr lang="en-US" altLang="zh-CN" b="0" i="1" smtClean="0">
+                            <a:latin typeface="Cambria Math" panose="02040503050406030204" pitchFamily="18" charset="0"/>
+                          </a:rPr>
+                        </m:ctrlPr>
+                      </m:fPr>
+                      <m:num>
+                        <m:sSub>
+                          <m:sSubPr>
+                            <m:ctrlPr>
+                              <a:rPr lang="en-US" altLang="zh-CN" b="0" i="1" smtClean="0">
+                                <a:latin typeface="Cambria Math" panose="02040503050406030204" pitchFamily="18" charset="0"/>
+                              </a:rPr>
+                            </m:ctrlPr>
+                          </m:sSubPr>
+                          <m:e>
+                            <m:r>
+                              <a:rPr lang="zh-CN" altLang="en-US" b="0" i="1" smtClean="0">
+                                <a:latin typeface="Cambria Math" panose="02040503050406030204" pitchFamily="18" charset="0"/>
+                              </a:rPr>
+                              <m:t>𝜇</m:t>
+                            </m:r>
+                          </m:e>
+                          <m:sub>
+                            <m:r>
+                              <a:rPr lang="en-US" altLang="zh-CN" b="0" i="1" smtClean="0">
+                                <a:latin typeface="Cambria Math" panose="02040503050406030204" pitchFamily="18" charset="0"/>
+                              </a:rPr>
+                              <m:t>1</m:t>
+                            </m:r>
+                          </m:sub>
+                        </m:sSub>
+                      </m:num>
+                      <m:den>
+                        <m:sSub>
+                          <m:sSubPr>
+                            <m:ctrlPr>
+                              <a:rPr lang="en-US" altLang="zh-CN" b="0" i="1" smtClean="0">
+                                <a:latin typeface="Cambria Math" panose="02040503050406030204" pitchFamily="18" charset="0"/>
+                              </a:rPr>
+                            </m:ctrlPr>
+                          </m:sSubPr>
+                          <m:e>
+                            <m:r>
+                              <a:rPr lang="zh-CN" altLang="en-US" b="0" i="1" smtClean="0">
+                                <a:latin typeface="Cambria Math" panose="02040503050406030204" pitchFamily="18" charset="0"/>
+                              </a:rPr>
+                              <m:t>𝜇</m:t>
+                            </m:r>
+                          </m:e>
+                          <m:sub>
+                            <m:r>
+                              <a:rPr lang="en-US" altLang="zh-CN" b="0" i="1" smtClean="0">
+                                <a:latin typeface="Cambria Math" panose="02040503050406030204" pitchFamily="18" charset="0"/>
+                              </a:rPr>
+                              <m:t>0</m:t>
+                            </m:r>
+                          </m:sub>
+                        </m:sSub>
+                      </m:den>
+                    </m:f>
+                    <m:r>
+                      <a:rPr lang="en-US" altLang="zh-CN" b="0" i="1" smtClean="0">
+                        <a:latin typeface="Cambria Math" panose="02040503050406030204" pitchFamily="18" charset="0"/>
+                      </a:rPr>
+                      <m:t>)</m:t>
+                    </m:r>
+                  </m:oMath>
                 </a14:m>
-                <a:endParaRPr lang="zh-CN" altLang="en-US" dirty="0"/>
+                <a:r>
+                  <a:rPr lang="zh-CN" altLang="en-US" dirty="0"/>
+                  <a:t> </a:t>
+                </a:r>
+                <a:r>
+                  <a:rPr lang="en-US" altLang="zh-CN" dirty="0">
+                    <a:latin typeface="Times New Roman" panose="02020603050405020304" pitchFamily="18" charset="0"/>
+                    <a:cs typeface="Times New Roman" panose="02020603050405020304" pitchFamily="18" charset="0"/>
+                  </a:rPr>
+                  <a:t>= log(0.7) = -0.357</a:t>
+                </a:r>
+                <a:endParaRPr lang="zh-CN" altLang="en-US" dirty="0">
+                  <a:latin typeface="Times New Roman" panose="02020603050405020304" pitchFamily="18" charset="0"/>
+                  <a:cs typeface="Times New Roman" panose="02020603050405020304" pitchFamily="18" charset="0"/>
+                </a:endParaRPr>
               </a:p>
             </p:txBody>
           </p:sp>
         </mc:Choice>
-        <mc:Fallback xmlns="">
+        <mc:Fallback>
           <p:sp>
             <p:nvSpPr>
               <p:cNvPr id="12" name="TextBox 11">
@@ -5281,7 +5290,7 @@
             <p:spPr>
               <a:xfrm>
                 <a:off x="565280" y="3288745"/>
-                <a:ext cx="4150895" cy="1409297"/>
+                <a:ext cx="4150895" cy="1570045"/>
               </a:xfrm>
               <a:prstGeom prst="rect">
                 <a:avLst/>
@@ -5289,7 +5298,7 @@
               <a:blipFill>
                 <a:blip r:embed="rId2"/>
                 <a:stretch>
-                  <a:fillRect/>
+                  <a:fillRect l="-1322" r="-2496" b="-5039"/>
                 </a:stretch>
               </a:blipFill>
             </p:spPr>
